--- a/images/find-me-a-beer-gif.pptx
+++ b/images/find-me-a-beer-gif.pptx
@@ -3578,10 +3578,10 @@
       </p:sp>
       <p:sp>
         <p:nvSpPr>
-          <p:cNvPr id="30" name="TextBox 29">
-            <a:extLst>
-              <a:ext uri="{FF2B5EF4-FFF2-40B4-BE49-F238E27FC236}">
-                <a16:creationId xmlns:a16="http://schemas.microsoft.com/office/drawing/2014/main" id="{2F5DB709-1CB0-4BAC-8A81-A109609D2167}"/>
+          <p:cNvPr id="8" name="TextBox 7">
+            <a:extLst>
+              <a:ext uri="{FF2B5EF4-FFF2-40B4-BE49-F238E27FC236}">
+                <a16:creationId xmlns:a16="http://schemas.microsoft.com/office/drawing/2014/main" id="{6020FD98-8021-440D-AD87-65C9483FA9F7}"/>
               </a:ext>
             </a:extLst>
           </p:cNvPr>
@@ -3590,8 +3590,8 @@
         </p:nvSpPr>
         <p:spPr>
           <a:xfrm>
-            <a:off x="4059700" y="3251529"/>
-            <a:ext cx="4880247" cy="461665"/>
+            <a:off x="3017890" y="3274324"/>
+            <a:ext cx="5958234" cy="461665"/>
           </a:xfrm>
           <a:prstGeom prst="rect">
             <a:avLst/>
@@ -3618,7 +3618,7 @@
                   </a:innerShdw>
                 </a:effectLst>
               </a:rPr>
-              <a:t>…and let us give some suggestions!</a:t>
+              <a:t>…and we’ll give you our recommendations!</a:t>
             </a:r>
           </a:p>
         </p:txBody>
@@ -3877,10 +3877,10 @@
       </p:sp>
       <p:sp>
         <p:nvSpPr>
-          <p:cNvPr id="30" name="TextBox 29">
-            <a:extLst>
-              <a:ext uri="{FF2B5EF4-FFF2-40B4-BE49-F238E27FC236}">
-                <a16:creationId xmlns:a16="http://schemas.microsoft.com/office/drawing/2014/main" id="{2F5DB709-1CB0-4BAC-8A81-A109609D2167}"/>
+          <p:cNvPr id="8" name="TextBox 7">
+            <a:extLst>
+              <a:ext uri="{FF2B5EF4-FFF2-40B4-BE49-F238E27FC236}">
+                <a16:creationId xmlns:a16="http://schemas.microsoft.com/office/drawing/2014/main" id="{2A8AAF0F-0AB5-47FF-A8C5-CB21579D20B7}"/>
               </a:ext>
             </a:extLst>
           </p:cNvPr>
@@ -3889,8 +3889,8 @@
         </p:nvSpPr>
         <p:spPr>
           <a:xfrm>
-            <a:off x="4059700" y="3251529"/>
-            <a:ext cx="4880247" cy="461665"/>
+            <a:off x="3017890" y="3274324"/>
+            <a:ext cx="5958234" cy="461665"/>
           </a:xfrm>
           <a:prstGeom prst="rect">
             <a:avLst/>
@@ -3917,7 +3917,7 @@
                   </a:innerShdw>
                 </a:effectLst>
               </a:rPr>
-              <a:t>…and let us give some suggestions!</a:t>
+              <a:t>…and we’ll give you our recommendations!</a:t>
             </a:r>
           </a:p>
         </p:txBody>
@@ -4176,10 +4176,10 @@
       </p:sp>
       <p:sp>
         <p:nvSpPr>
-          <p:cNvPr id="30" name="TextBox 29">
-            <a:extLst>
-              <a:ext uri="{FF2B5EF4-FFF2-40B4-BE49-F238E27FC236}">
-                <a16:creationId xmlns:a16="http://schemas.microsoft.com/office/drawing/2014/main" id="{2F5DB709-1CB0-4BAC-8A81-A109609D2167}"/>
+          <p:cNvPr id="8" name="TextBox 7">
+            <a:extLst>
+              <a:ext uri="{FF2B5EF4-FFF2-40B4-BE49-F238E27FC236}">
+                <a16:creationId xmlns:a16="http://schemas.microsoft.com/office/drawing/2014/main" id="{2824729C-F165-4903-A0DE-B09B0280B8C7}"/>
               </a:ext>
             </a:extLst>
           </p:cNvPr>
@@ -4188,8 +4188,8 @@
         </p:nvSpPr>
         <p:spPr>
           <a:xfrm>
-            <a:off x="4059700" y="3251529"/>
-            <a:ext cx="4880247" cy="461665"/>
+            <a:off x="3017890" y="3274324"/>
+            <a:ext cx="5958234" cy="461665"/>
           </a:xfrm>
           <a:prstGeom prst="rect">
             <a:avLst/>
@@ -4216,7 +4216,7 @@
                   </a:innerShdw>
                 </a:effectLst>
               </a:rPr>
-              <a:t>…and let us give some suggestions!</a:t>
+              <a:t>…and we’ll give you our recommendations!</a:t>
             </a:r>
           </a:p>
         </p:txBody>
@@ -4475,10 +4475,10 @@
       </p:sp>
       <p:sp>
         <p:nvSpPr>
-          <p:cNvPr id="30" name="TextBox 29">
-            <a:extLst>
-              <a:ext uri="{FF2B5EF4-FFF2-40B4-BE49-F238E27FC236}">
-                <a16:creationId xmlns:a16="http://schemas.microsoft.com/office/drawing/2014/main" id="{2F5DB709-1CB0-4BAC-8A81-A109609D2167}"/>
+          <p:cNvPr id="8" name="TextBox 7">
+            <a:extLst>
+              <a:ext uri="{FF2B5EF4-FFF2-40B4-BE49-F238E27FC236}">
+                <a16:creationId xmlns:a16="http://schemas.microsoft.com/office/drawing/2014/main" id="{E9F7AD37-6598-4D41-A7BF-52DE639E4013}"/>
               </a:ext>
             </a:extLst>
           </p:cNvPr>
@@ -4487,8 +4487,8 @@
         </p:nvSpPr>
         <p:spPr>
           <a:xfrm>
-            <a:off x="4059700" y="3251529"/>
-            <a:ext cx="4880247" cy="461665"/>
+            <a:off x="3017890" y="3274324"/>
+            <a:ext cx="5958234" cy="461665"/>
           </a:xfrm>
           <a:prstGeom prst="rect">
             <a:avLst/>
@@ -4515,7 +4515,7 @@
                   </a:innerShdw>
                 </a:effectLst>
               </a:rPr>
-              <a:t>…and let us give some suggestions!</a:t>
+              <a:t>…and we’ll give you our recommendations!</a:t>
             </a:r>
           </a:p>
         </p:txBody>
@@ -4779,10 +4779,10 @@
       </p:sp>
       <p:sp>
         <p:nvSpPr>
-          <p:cNvPr id="30" name="TextBox 29">
-            <a:extLst>
-              <a:ext uri="{FF2B5EF4-FFF2-40B4-BE49-F238E27FC236}">
-                <a16:creationId xmlns:a16="http://schemas.microsoft.com/office/drawing/2014/main" id="{2F5DB709-1CB0-4BAC-8A81-A109609D2167}"/>
+          <p:cNvPr id="8" name="TextBox 7">
+            <a:extLst>
+              <a:ext uri="{FF2B5EF4-FFF2-40B4-BE49-F238E27FC236}">
+                <a16:creationId xmlns:a16="http://schemas.microsoft.com/office/drawing/2014/main" id="{A89F4B60-4F1D-4FBB-8A16-9C5BF60F6865}"/>
               </a:ext>
             </a:extLst>
           </p:cNvPr>
@@ -4791,8 +4791,8 @@
         </p:nvSpPr>
         <p:spPr>
           <a:xfrm>
-            <a:off x="4059700" y="3251529"/>
-            <a:ext cx="4880247" cy="461665"/>
+            <a:off x="3017890" y="3274324"/>
+            <a:ext cx="5958234" cy="461665"/>
           </a:xfrm>
           <a:prstGeom prst="rect">
             <a:avLst/>
@@ -4819,7 +4819,7 @@
                   </a:innerShdw>
                 </a:effectLst>
               </a:rPr>
-              <a:t>…and let us give some suggestions!</a:t>
+              <a:t>…and we’ll give you our recommendations!</a:t>
             </a:r>
           </a:p>
         </p:txBody>
@@ -5083,10 +5083,10 @@
       </p:sp>
       <p:sp>
         <p:nvSpPr>
-          <p:cNvPr id="30" name="TextBox 29">
-            <a:extLst>
-              <a:ext uri="{FF2B5EF4-FFF2-40B4-BE49-F238E27FC236}">
-                <a16:creationId xmlns:a16="http://schemas.microsoft.com/office/drawing/2014/main" id="{2F5DB709-1CB0-4BAC-8A81-A109609D2167}"/>
+          <p:cNvPr id="8" name="TextBox 7">
+            <a:extLst>
+              <a:ext uri="{FF2B5EF4-FFF2-40B4-BE49-F238E27FC236}">
+                <a16:creationId xmlns:a16="http://schemas.microsoft.com/office/drawing/2014/main" id="{0CE2236A-F3B3-403B-AACE-2C67BCEE486F}"/>
               </a:ext>
             </a:extLst>
           </p:cNvPr>
@@ -5095,8 +5095,8 @@
         </p:nvSpPr>
         <p:spPr>
           <a:xfrm>
-            <a:off x="4059700" y="3251529"/>
-            <a:ext cx="4880247" cy="461665"/>
+            <a:off x="3017890" y="3274324"/>
+            <a:ext cx="5958234" cy="461665"/>
           </a:xfrm>
           <a:prstGeom prst="rect">
             <a:avLst/>
@@ -5123,7 +5123,7 @@
                   </a:innerShdw>
                 </a:effectLst>
               </a:rPr>
-              <a:t>…and let us give some suggestions!</a:t>
+              <a:t>…and we’ll give you our recommendations!</a:t>
             </a:r>
           </a:p>
         </p:txBody>
@@ -5387,10 +5387,10 @@
       </p:sp>
       <p:sp>
         <p:nvSpPr>
-          <p:cNvPr id="30" name="TextBox 29">
-            <a:extLst>
-              <a:ext uri="{FF2B5EF4-FFF2-40B4-BE49-F238E27FC236}">
-                <a16:creationId xmlns:a16="http://schemas.microsoft.com/office/drawing/2014/main" id="{2F5DB709-1CB0-4BAC-8A81-A109609D2167}"/>
+          <p:cNvPr id="8" name="TextBox 7">
+            <a:extLst>
+              <a:ext uri="{FF2B5EF4-FFF2-40B4-BE49-F238E27FC236}">
+                <a16:creationId xmlns:a16="http://schemas.microsoft.com/office/drawing/2014/main" id="{55F71216-9112-4F7D-9931-24C2209AECDF}"/>
               </a:ext>
             </a:extLst>
           </p:cNvPr>
@@ -5399,8 +5399,8 @@
         </p:nvSpPr>
         <p:spPr>
           <a:xfrm>
-            <a:off x="4059700" y="3251529"/>
-            <a:ext cx="4880247" cy="461665"/>
+            <a:off x="3017890" y="3274324"/>
+            <a:ext cx="5958234" cy="461665"/>
           </a:xfrm>
           <a:prstGeom prst="rect">
             <a:avLst/>
@@ -5427,7 +5427,7 @@
                   </a:innerShdw>
                 </a:effectLst>
               </a:rPr>
-              <a:t>…and let us give some suggestions!</a:t>
+              <a:t>…and we’ll give you our recommendations!</a:t>
             </a:r>
           </a:p>
         </p:txBody>
@@ -5686,10 +5686,10 @@
       </p:sp>
       <p:sp>
         <p:nvSpPr>
-          <p:cNvPr id="30" name="TextBox 29">
-            <a:extLst>
-              <a:ext uri="{FF2B5EF4-FFF2-40B4-BE49-F238E27FC236}">
-                <a16:creationId xmlns:a16="http://schemas.microsoft.com/office/drawing/2014/main" id="{2F5DB709-1CB0-4BAC-8A81-A109609D2167}"/>
+          <p:cNvPr id="17" name="TextBox 16">
+            <a:extLst>
+              <a:ext uri="{FF2B5EF4-FFF2-40B4-BE49-F238E27FC236}">
+                <a16:creationId xmlns:a16="http://schemas.microsoft.com/office/drawing/2014/main" id="{82415E1E-1CD2-4A32-B207-69C16C1400B2}"/>
               </a:ext>
             </a:extLst>
           </p:cNvPr>
@@ -5698,8 +5698,8 @@
         </p:nvSpPr>
         <p:spPr>
           <a:xfrm>
-            <a:off x="4059700" y="3251529"/>
-            <a:ext cx="4880247" cy="461665"/>
+            <a:off x="3017890" y="3274324"/>
+            <a:ext cx="5958234" cy="461665"/>
           </a:xfrm>
           <a:prstGeom prst="rect">
             <a:avLst/>
@@ -5726,7 +5726,7 @@
                   </a:innerShdw>
                 </a:effectLst>
               </a:rPr>
-              <a:t>…and let us give some suggestions!</a:t>
+              <a:t>…and we’ll give you our recommendations!</a:t>
             </a:r>
           </a:p>
         </p:txBody>
@@ -6414,10 +6414,10 @@
       </p:sp>
       <p:sp>
         <p:nvSpPr>
-          <p:cNvPr id="30" name="TextBox 29">
-            <a:extLst>
-              <a:ext uri="{FF2B5EF4-FFF2-40B4-BE49-F238E27FC236}">
-                <a16:creationId xmlns:a16="http://schemas.microsoft.com/office/drawing/2014/main" id="{2F5DB709-1CB0-4BAC-8A81-A109609D2167}"/>
+          <p:cNvPr id="17" name="TextBox 16">
+            <a:extLst>
+              <a:ext uri="{FF2B5EF4-FFF2-40B4-BE49-F238E27FC236}">
+                <a16:creationId xmlns:a16="http://schemas.microsoft.com/office/drawing/2014/main" id="{6808216D-60DE-40EC-B2FD-9B9C9C51DB7C}"/>
               </a:ext>
             </a:extLst>
           </p:cNvPr>
@@ -6426,8 +6426,8 @@
         </p:nvSpPr>
         <p:spPr>
           <a:xfrm>
-            <a:off x="4059700" y="3251529"/>
-            <a:ext cx="4880247" cy="461665"/>
+            <a:off x="3017890" y="3274324"/>
+            <a:ext cx="5958234" cy="461665"/>
           </a:xfrm>
           <a:prstGeom prst="rect">
             <a:avLst/>
@@ -6454,7 +6454,7 @@
                   </a:innerShdw>
                 </a:effectLst>
               </a:rPr>
-              <a:t>…and let us give some suggestions!</a:t>
+              <a:t>…and we’ll give you our recommendations!</a:t>
             </a:r>
           </a:p>
         </p:txBody>
@@ -7142,10 +7142,10 @@
       </p:sp>
       <p:sp>
         <p:nvSpPr>
-          <p:cNvPr id="30" name="TextBox 29">
-            <a:extLst>
-              <a:ext uri="{FF2B5EF4-FFF2-40B4-BE49-F238E27FC236}">
-                <a16:creationId xmlns:a16="http://schemas.microsoft.com/office/drawing/2014/main" id="{2F5DB709-1CB0-4BAC-8A81-A109609D2167}"/>
+          <p:cNvPr id="16" name="TextBox 15">
+            <a:extLst>
+              <a:ext uri="{FF2B5EF4-FFF2-40B4-BE49-F238E27FC236}">
+                <a16:creationId xmlns:a16="http://schemas.microsoft.com/office/drawing/2014/main" id="{0AAE79A8-2C90-4594-BFC8-8753619F0C6F}"/>
               </a:ext>
             </a:extLst>
           </p:cNvPr>
@@ -7154,8 +7154,8 @@
         </p:nvSpPr>
         <p:spPr>
           <a:xfrm>
-            <a:off x="4059700" y="3251529"/>
-            <a:ext cx="4880247" cy="461665"/>
+            <a:off x="3017890" y="3274324"/>
+            <a:ext cx="5958234" cy="461665"/>
           </a:xfrm>
           <a:prstGeom prst="rect">
             <a:avLst/>
@@ -7182,7 +7182,7 @@
                   </a:innerShdw>
                 </a:effectLst>
               </a:rPr>
-              <a:t>…and let us give some suggestions!</a:t>
+              <a:t>…and we’ll give you our recommendations!</a:t>
             </a:r>
           </a:p>
         </p:txBody>
@@ -7870,10 +7870,10 @@
       </p:sp>
       <p:sp>
         <p:nvSpPr>
-          <p:cNvPr id="30" name="TextBox 29">
-            <a:extLst>
-              <a:ext uri="{FF2B5EF4-FFF2-40B4-BE49-F238E27FC236}">
-                <a16:creationId xmlns:a16="http://schemas.microsoft.com/office/drawing/2014/main" id="{2F5DB709-1CB0-4BAC-8A81-A109609D2167}"/>
+          <p:cNvPr id="16" name="TextBox 15">
+            <a:extLst>
+              <a:ext uri="{FF2B5EF4-FFF2-40B4-BE49-F238E27FC236}">
+                <a16:creationId xmlns:a16="http://schemas.microsoft.com/office/drawing/2014/main" id="{65BF504D-D870-44C3-87EB-6266C9A482C5}"/>
               </a:ext>
             </a:extLst>
           </p:cNvPr>
@@ -7882,8 +7882,8 @@
         </p:nvSpPr>
         <p:spPr>
           <a:xfrm>
-            <a:off x="4059700" y="3251529"/>
-            <a:ext cx="4880247" cy="461665"/>
+            <a:off x="3017890" y="3274324"/>
+            <a:ext cx="5958234" cy="461665"/>
           </a:xfrm>
           <a:prstGeom prst="rect">
             <a:avLst/>
@@ -7910,7 +7910,7 @@
                   </a:innerShdw>
                 </a:effectLst>
               </a:rPr>
-              <a:t>…and let us give some suggestions!</a:t>
+              <a:t>…and we’ll give you our recommendations!</a:t>
             </a:r>
           </a:p>
         </p:txBody>
@@ -8169,10 +8169,10 @@
       </p:sp>
       <p:sp>
         <p:nvSpPr>
-          <p:cNvPr id="30" name="TextBox 29">
-            <a:extLst>
-              <a:ext uri="{FF2B5EF4-FFF2-40B4-BE49-F238E27FC236}">
-                <a16:creationId xmlns:a16="http://schemas.microsoft.com/office/drawing/2014/main" id="{2F5DB709-1CB0-4BAC-8A81-A109609D2167}"/>
+          <p:cNvPr id="8" name="TextBox 7">
+            <a:extLst>
+              <a:ext uri="{FF2B5EF4-FFF2-40B4-BE49-F238E27FC236}">
+                <a16:creationId xmlns:a16="http://schemas.microsoft.com/office/drawing/2014/main" id="{90103D04-3B35-4C1F-B9C3-7E1EC5486A48}"/>
               </a:ext>
             </a:extLst>
           </p:cNvPr>
@@ -8181,8 +8181,8 @@
         </p:nvSpPr>
         <p:spPr>
           <a:xfrm>
-            <a:off x="4059700" y="3251529"/>
-            <a:ext cx="4880247" cy="461665"/>
+            <a:off x="3017890" y="3274324"/>
+            <a:ext cx="5958234" cy="461665"/>
           </a:xfrm>
           <a:prstGeom prst="rect">
             <a:avLst/>
@@ -8209,7 +8209,7 @@
                   </a:innerShdw>
                 </a:effectLst>
               </a:rPr>
-              <a:t>…and let us give some suggestions!</a:t>
+              <a:t>…and we’ll give you our recommendations!</a:t>
             </a:r>
           </a:p>
         </p:txBody>
@@ -8895,12 +8895,51 @@
           </a:p>
         </p:txBody>
       </p:sp>
-      <p:sp>
-        <p:nvSpPr>
-          <p:cNvPr id="30" name="TextBox 29">
-            <a:extLst>
-              <a:ext uri="{FF2B5EF4-FFF2-40B4-BE49-F238E27FC236}">
-                <a16:creationId xmlns:a16="http://schemas.microsoft.com/office/drawing/2014/main" id="{2F5DB709-1CB0-4BAC-8A81-A109609D2167}"/>
+      <p:pic>
+        <p:nvPicPr>
+          <p:cNvPr id="16" name="Graphic 15" descr="Cursor outline">
+            <a:extLst>
+              <a:ext uri="{FF2B5EF4-FFF2-40B4-BE49-F238E27FC236}">
+                <a16:creationId xmlns:a16="http://schemas.microsoft.com/office/drawing/2014/main" id="{23DDF394-7219-49CF-BC37-5D098BC00404}"/>
+              </a:ext>
+            </a:extLst>
+          </p:cNvPr>
+          <p:cNvPicPr>
+            <a:picLocks noChangeAspect="1"/>
+          </p:cNvPicPr>
+          <p:nvPr/>
+        </p:nvPicPr>
+        <p:blipFill>
+          <a:blip r:embed="rId6">
+            <a:extLst>
+              <a:ext uri="{28A0092B-C50C-407E-A947-70E740481C1C}">
+                <a14:useLocalDpi xmlns:a14="http://schemas.microsoft.com/office/drawing/2010/main" val="0"/>
+              </a:ext>
+              <a:ext uri="{96DAC541-7B7A-43D3-8B79-37D633B846F1}">
+                <asvg:svgBlip xmlns:asvg="http://schemas.microsoft.com/office/drawing/2016/SVG/main" r:embed="rId7"/>
+              </a:ext>
+            </a:extLst>
+          </a:blip>
+          <a:stretch>
+            <a:fillRect/>
+          </a:stretch>
+        </p:blipFill>
+        <p:spPr>
+          <a:xfrm>
+            <a:off x="9918488" y="5361183"/>
+            <a:ext cx="324649" cy="324649"/>
+          </a:xfrm>
+          <a:prstGeom prst="rect">
+            <a:avLst/>
+          </a:prstGeom>
+        </p:spPr>
+      </p:pic>
+      <p:sp>
+        <p:nvSpPr>
+          <p:cNvPr id="17" name="TextBox 16">
+            <a:extLst>
+              <a:ext uri="{FF2B5EF4-FFF2-40B4-BE49-F238E27FC236}">
+                <a16:creationId xmlns:a16="http://schemas.microsoft.com/office/drawing/2014/main" id="{2DD4DE93-C459-4AF1-A2F2-376A0D7AAE76}"/>
               </a:ext>
             </a:extLst>
           </p:cNvPr>
@@ -8909,8 +8948,8 @@
         </p:nvSpPr>
         <p:spPr>
           <a:xfrm>
-            <a:off x="4059700" y="3251529"/>
-            <a:ext cx="4880247" cy="461665"/>
+            <a:off x="3017890" y="3274324"/>
+            <a:ext cx="5958234" cy="461665"/>
           </a:xfrm>
           <a:prstGeom prst="rect">
             <a:avLst/>
@@ -8937,50 +8976,11 @@
                   </a:innerShdw>
                 </a:effectLst>
               </a:rPr>
-              <a:t>…and let us give some suggestions!</a:t>
-            </a:r>
-          </a:p>
-        </p:txBody>
-      </p:sp>
-      <p:pic>
-        <p:nvPicPr>
-          <p:cNvPr id="16" name="Graphic 15" descr="Cursor outline">
-            <a:extLst>
-              <a:ext uri="{FF2B5EF4-FFF2-40B4-BE49-F238E27FC236}">
-                <a16:creationId xmlns:a16="http://schemas.microsoft.com/office/drawing/2014/main" id="{23DDF394-7219-49CF-BC37-5D098BC00404}"/>
-              </a:ext>
-            </a:extLst>
-          </p:cNvPr>
-          <p:cNvPicPr>
-            <a:picLocks noChangeAspect="1"/>
-          </p:cNvPicPr>
-          <p:nvPr/>
-        </p:nvPicPr>
-        <p:blipFill>
-          <a:blip r:embed="rId6">
-            <a:extLst>
-              <a:ext uri="{28A0092B-C50C-407E-A947-70E740481C1C}">
-                <a14:useLocalDpi xmlns:a14="http://schemas.microsoft.com/office/drawing/2010/main" val="0"/>
-              </a:ext>
-              <a:ext uri="{96DAC541-7B7A-43D3-8B79-37D633B846F1}">
-                <asvg:svgBlip xmlns:asvg="http://schemas.microsoft.com/office/drawing/2016/SVG/main" r:embed="rId7"/>
-              </a:ext>
-            </a:extLst>
-          </a:blip>
-          <a:stretch>
-            <a:fillRect/>
-          </a:stretch>
-        </p:blipFill>
-        <p:spPr>
-          <a:xfrm>
-            <a:off x="9918488" y="5361183"/>
-            <a:ext cx="324649" cy="324649"/>
-          </a:xfrm>
-          <a:prstGeom prst="rect">
-            <a:avLst/>
-          </a:prstGeom>
-        </p:spPr>
-      </p:pic>
+              <a:t>…and we’ll give you our recommendations!</a:t>
+            </a:r>
+          </a:p>
+        </p:txBody>
+      </p:sp>
     </p:spTree>
     <p:extLst>
       <p:ext uri="{BB962C8B-B14F-4D97-AF65-F5344CB8AC3E}">
@@ -9676,8 +9676,8 @@
         </p:nvSpPr>
         <p:spPr>
           <a:xfrm>
-            <a:off x="4059700" y="3251529"/>
-            <a:ext cx="4880247" cy="461665"/>
+            <a:off x="3017890" y="3274324"/>
+            <a:ext cx="5958234" cy="461665"/>
           </a:xfrm>
           <a:prstGeom prst="rect">
             <a:avLst/>
@@ -9704,7 +9704,7 @@
                   </a:innerShdw>
                 </a:effectLst>
               </a:rPr>
-              <a:t>…and let us give some suggestions!</a:t>
+              <a:t>…and we’ll give you our recommendations!</a:t>
             </a:r>
           </a:p>
         </p:txBody>
@@ -10429,12 +10429,51 @@
           </a:p>
         </p:txBody>
       </p:sp>
-      <p:sp>
-        <p:nvSpPr>
-          <p:cNvPr id="30" name="TextBox 29">
-            <a:extLst>
-              <a:ext uri="{FF2B5EF4-FFF2-40B4-BE49-F238E27FC236}">
-                <a16:creationId xmlns:a16="http://schemas.microsoft.com/office/drawing/2014/main" id="{2F5DB709-1CB0-4BAC-8A81-A109609D2167}"/>
+      <p:pic>
+        <p:nvPicPr>
+          <p:cNvPr id="16" name="Graphic 15" descr="Cursor outline">
+            <a:extLst>
+              <a:ext uri="{FF2B5EF4-FFF2-40B4-BE49-F238E27FC236}">
+                <a16:creationId xmlns:a16="http://schemas.microsoft.com/office/drawing/2014/main" id="{23DDF394-7219-49CF-BC37-5D098BC00404}"/>
+              </a:ext>
+            </a:extLst>
+          </p:cNvPr>
+          <p:cNvPicPr>
+            <a:picLocks noChangeAspect="1"/>
+          </p:cNvPicPr>
+          <p:nvPr/>
+        </p:nvPicPr>
+        <p:blipFill>
+          <a:blip r:embed="rId6">
+            <a:extLst>
+              <a:ext uri="{28A0092B-C50C-407E-A947-70E740481C1C}">
+                <a14:useLocalDpi xmlns:a14="http://schemas.microsoft.com/office/drawing/2010/main" val="0"/>
+              </a:ext>
+              <a:ext uri="{96DAC541-7B7A-43D3-8B79-37D633B846F1}">
+                <asvg:svgBlip xmlns:asvg="http://schemas.microsoft.com/office/drawing/2016/SVG/main" r:embed="rId7"/>
+              </a:ext>
+            </a:extLst>
+          </a:blip>
+          <a:stretch>
+            <a:fillRect/>
+          </a:stretch>
+        </p:blipFill>
+        <p:spPr>
+          <a:xfrm>
+            <a:off x="8869176" y="3251529"/>
+            <a:ext cx="324649" cy="324649"/>
+          </a:xfrm>
+          <a:prstGeom prst="rect">
+            <a:avLst/>
+          </a:prstGeom>
+        </p:spPr>
+      </p:pic>
+      <p:sp>
+        <p:nvSpPr>
+          <p:cNvPr id="17" name="TextBox 16">
+            <a:extLst>
+              <a:ext uri="{FF2B5EF4-FFF2-40B4-BE49-F238E27FC236}">
+                <a16:creationId xmlns:a16="http://schemas.microsoft.com/office/drawing/2014/main" id="{2679F81F-6641-4F5E-94BA-DB4AB191526E}"/>
               </a:ext>
             </a:extLst>
           </p:cNvPr>
@@ -10443,8 +10482,8 @@
         </p:nvSpPr>
         <p:spPr>
           <a:xfrm>
-            <a:off x="4059700" y="3251529"/>
-            <a:ext cx="4880247" cy="461665"/>
+            <a:off x="3017890" y="3274324"/>
+            <a:ext cx="5958234" cy="461665"/>
           </a:xfrm>
           <a:prstGeom prst="rect">
             <a:avLst/>
@@ -10471,50 +10510,11 @@
                   </a:innerShdw>
                 </a:effectLst>
               </a:rPr>
-              <a:t>…and let us give some suggestions!</a:t>
-            </a:r>
-          </a:p>
-        </p:txBody>
-      </p:sp>
-      <p:pic>
-        <p:nvPicPr>
-          <p:cNvPr id="16" name="Graphic 15" descr="Cursor outline">
-            <a:extLst>
-              <a:ext uri="{FF2B5EF4-FFF2-40B4-BE49-F238E27FC236}">
-                <a16:creationId xmlns:a16="http://schemas.microsoft.com/office/drawing/2014/main" id="{23DDF394-7219-49CF-BC37-5D098BC00404}"/>
-              </a:ext>
-            </a:extLst>
-          </p:cNvPr>
-          <p:cNvPicPr>
-            <a:picLocks noChangeAspect="1"/>
-          </p:cNvPicPr>
-          <p:nvPr/>
-        </p:nvPicPr>
-        <p:blipFill>
-          <a:blip r:embed="rId6">
-            <a:extLst>
-              <a:ext uri="{28A0092B-C50C-407E-A947-70E740481C1C}">
-                <a14:useLocalDpi xmlns:a14="http://schemas.microsoft.com/office/drawing/2010/main" val="0"/>
-              </a:ext>
-              <a:ext uri="{96DAC541-7B7A-43D3-8B79-37D633B846F1}">
-                <asvg:svgBlip xmlns:asvg="http://schemas.microsoft.com/office/drawing/2016/SVG/main" r:embed="rId7"/>
-              </a:ext>
-            </a:extLst>
-          </a:blip>
-          <a:stretch>
-            <a:fillRect/>
-          </a:stretch>
-        </p:blipFill>
-        <p:spPr>
-          <a:xfrm>
-            <a:off x="8869176" y="3251529"/>
-            <a:ext cx="324649" cy="324649"/>
-          </a:xfrm>
-          <a:prstGeom prst="rect">
-            <a:avLst/>
-          </a:prstGeom>
-        </p:spPr>
-      </p:pic>
+              <a:t>…and we’ll give you our recommendations!</a:t>
+            </a:r>
+          </a:p>
+        </p:txBody>
+      </p:sp>
     </p:spTree>
     <p:extLst>
       <p:ext uri="{BB962C8B-B14F-4D97-AF65-F5344CB8AC3E}">
@@ -11196,12 +11196,51 @@
           </a:p>
         </p:txBody>
       </p:sp>
-      <p:sp>
-        <p:nvSpPr>
-          <p:cNvPr id="30" name="TextBox 29">
-            <a:extLst>
-              <a:ext uri="{FF2B5EF4-FFF2-40B4-BE49-F238E27FC236}">
-                <a16:creationId xmlns:a16="http://schemas.microsoft.com/office/drawing/2014/main" id="{2F5DB709-1CB0-4BAC-8A81-A109609D2167}"/>
+      <p:pic>
+        <p:nvPicPr>
+          <p:cNvPr id="16" name="Graphic 15" descr="Cursor outline">
+            <a:extLst>
+              <a:ext uri="{FF2B5EF4-FFF2-40B4-BE49-F238E27FC236}">
+                <a16:creationId xmlns:a16="http://schemas.microsoft.com/office/drawing/2014/main" id="{23DDF394-7219-49CF-BC37-5D098BC00404}"/>
+              </a:ext>
+            </a:extLst>
+          </p:cNvPr>
+          <p:cNvPicPr>
+            <a:picLocks noChangeAspect="1"/>
+          </p:cNvPicPr>
+          <p:nvPr/>
+        </p:nvPicPr>
+        <p:blipFill>
+          <a:blip r:embed="rId6">
+            <a:extLst>
+              <a:ext uri="{28A0092B-C50C-407E-A947-70E740481C1C}">
+                <a14:useLocalDpi xmlns:a14="http://schemas.microsoft.com/office/drawing/2010/main" val="0"/>
+              </a:ext>
+              <a:ext uri="{96DAC541-7B7A-43D3-8B79-37D633B846F1}">
+                <asvg:svgBlip xmlns:asvg="http://schemas.microsoft.com/office/drawing/2016/SVG/main" r:embed="rId7"/>
+              </a:ext>
+            </a:extLst>
+          </a:blip>
+          <a:stretch>
+            <a:fillRect/>
+          </a:stretch>
+        </p:blipFill>
+        <p:spPr>
+          <a:xfrm>
+            <a:off x="8869176" y="3251529"/>
+            <a:ext cx="324649" cy="324649"/>
+          </a:xfrm>
+          <a:prstGeom prst="rect">
+            <a:avLst/>
+          </a:prstGeom>
+        </p:spPr>
+      </p:pic>
+      <p:sp>
+        <p:nvSpPr>
+          <p:cNvPr id="17" name="TextBox 16">
+            <a:extLst>
+              <a:ext uri="{FF2B5EF4-FFF2-40B4-BE49-F238E27FC236}">
+                <a16:creationId xmlns:a16="http://schemas.microsoft.com/office/drawing/2014/main" id="{A0ADD42B-389C-40CD-AB4A-9C3C49BD42D1}"/>
               </a:ext>
             </a:extLst>
           </p:cNvPr>
@@ -11210,8 +11249,8 @@
         </p:nvSpPr>
         <p:spPr>
           <a:xfrm>
-            <a:off x="4059700" y="3251529"/>
-            <a:ext cx="4880247" cy="461665"/>
+            <a:off x="3017890" y="3274324"/>
+            <a:ext cx="5958234" cy="461665"/>
           </a:xfrm>
           <a:prstGeom prst="rect">
             <a:avLst/>
@@ -11238,50 +11277,11 @@
                   </a:innerShdw>
                 </a:effectLst>
               </a:rPr>
-              <a:t>…and let us give some suggestions!</a:t>
-            </a:r>
-          </a:p>
-        </p:txBody>
-      </p:sp>
-      <p:pic>
-        <p:nvPicPr>
-          <p:cNvPr id="16" name="Graphic 15" descr="Cursor outline">
-            <a:extLst>
-              <a:ext uri="{FF2B5EF4-FFF2-40B4-BE49-F238E27FC236}">
-                <a16:creationId xmlns:a16="http://schemas.microsoft.com/office/drawing/2014/main" id="{23DDF394-7219-49CF-BC37-5D098BC00404}"/>
-              </a:ext>
-            </a:extLst>
-          </p:cNvPr>
-          <p:cNvPicPr>
-            <a:picLocks noChangeAspect="1"/>
-          </p:cNvPicPr>
-          <p:nvPr/>
-        </p:nvPicPr>
-        <p:blipFill>
-          <a:blip r:embed="rId6">
-            <a:extLst>
-              <a:ext uri="{28A0092B-C50C-407E-A947-70E740481C1C}">
-                <a14:useLocalDpi xmlns:a14="http://schemas.microsoft.com/office/drawing/2010/main" val="0"/>
-              </a:ext>
-              <a:ext uri="{96DAC541-7B7A-43D3-8B79-37D633B846F1}">
-                <asvg:svgBlip xmlns:asvg="http://schemas.microsoft.com/office/drawing/2016/SVG/main" r:embed="rId7"/>
-              </a:ext>
-            </a:extLst>
-          </a:blip>
-          <a:stretch>
-            <a:fillRect/>
-          </a:stretch>
-        </p:blipFill>
-        <p:spPr>
-          <a:xfrm>
-            <a:off x="8869176" y="3251529"/>
-            <a:ext cx="324649" cy="324649"/>
-          </a:xfrm>
-          <a:prstGeom prst="rect">
-            <a:avLst/>
-          </a:prstGeom>
-        </p:spPr>
-      </p:pic>
+              <a:t>…and we’ll give you our recommendations!</a:t>
+            </a:r>
+          </a:p>
+        </p:txBody>
+      </p:sp>
     </p:spTree>
     <p:extLst>
       <p:ext uri="{BB962C8B-B14F-4D97-AF65-F5344CB8AC3E}">
@@ -11965,53 +11965,6 @@
       </p:sp>
       <p:sp>
         <p:nvSpPr>
-          <p:cNvPr id="30" name="TextBox 29">
-            <a:extLst>
-              <a:ext uri="{FF2B5EF4-FFF2-40B4-BE49-F238E27FC236}">
-                <a16:creationId xmlns:a16="http://schemas.microsoft.com/office/drawing/2014/main" id="{2F5DB709-1CB0-4BAC-8A81-A109609D2167}"/>
-              </a:ext>
-            </a:extLst>
-          </p:cNvPr>
-          <p:cNvSpPr txBox="1"/>
-          <p:nvPr/>
-        </p:nvSpPr>
-        <p:spPr>
-          <a:xfrm>
-            <a:off x="4059700" y="3251529"/>
-            <a:ext cx="4880247" cy="461665"/>
-          </a:xfrm>
-          <a:prstGeom prst="rect">
-            <a:avLst/>
-          </a:prstGeom>
-          <a:noFill/>
-        </p:spPr>
-        <p:txBody>
-          <a:bodyPr wrap="none" rtlCol="0">
-            <a:spAutoFit/>
-          </a:bodyPr>
-          <a:lstStyle/>
-          <a:p>
-            <a:r>
-              <a:rPr lang="en-US" sz="2400" b="1" spc="50" dirty="0">
-                <a:ln w="0"/>
-                <a:solidFill>
-                  <a:schemeClr val="bg2"/>
-                </a:solidFill>
-                <a:effectLst>
-                  <a:innerShdw blurRad="63500" dist="50800" dir="13500000">
-                    <a:srgbClr val="000000">
-                      <a:alpha val="50000"/>
-                    </a:srgbClr>
-                  </a:innerShdw>
-                </a:effectLst>
-              </a:rPr>
-              <a:t>…and let us give some suggestions!</a:t>
-            </a:r>
-          </a:p>
-        </p:txBody>
-      </p:sp>
-      <p:sp>
-        <p:nvSpPr>
           <p:cNvPr id="2" name="Rectangle 1">
             <a:extLst>
               <a:ext uri="{FF2B5EF4-FFF2-40B4-BE49-F238E27FC236}">
@@ -12103,6 +12056,53 @@
           </a:prstGeom>
         </p:spPr>
       </p:pic>
+      <p:sp>
+        <p:nvSpPr>
+          <p:cNvPr id="21" name="TextBox 20">
+            <a:extLst>
+              <a:ext uri="{FF2B5EF4-FFF2-40B4-BE49-F238E27FC236}">
+                <a16:creationId xmlns:a16="http://schemas.microsoft.com/office/drawing/2014/main" id="{A6DB8B41-C4F0-4235-AC5F-B95AA90EA2DE}"/>
+              </a:ext>
+            </a:extLst>
+          </p:cNvPr>
+          <p:cNvSpPr txBox="1"/>
+          <p:nvPr/>
+        </p:nvSpPr>
+        <p:spPr>
+          <a:xfrm>
+            <a:off x="3017890" y="3274324"/>
+            <a:ext cx="5958234" cy="461665"/>
+          </a:xfrm>
+          <a:prstGeom prst="rect">
+            <a:avLst/>
+          </a:prstGeom>
+          <a:noFill/>
+        </p:spPr>
+        <p:txBody>
+          <a:bodyPr wrap="none" rtlCol="0">
+            <a:spAutoFit/>
+          </a:bodyPr>
+          <a:lstStyle/>
+          <a:p>
+            <a:r>
+              <a:rPr lang="en-US" sz="2400" b="1" spc="50" dirty="0">
+                <a:ln w="0"/>
+                <a:solidFill>
+                  <a:schemeClr val="bg2"/>
+                </a:solidFill>
+                <a:effectLst>
+                  <a:innerShdw blurRad="63500" dist="50800" dir="13500000">
+                    <a:srgbClr val="000000">
+                      <a:alpha val="50000"/>
+                    </a:srgbClr>
+                  </a:innerShdw>
+                </a:effectLst>
+              </a:rPr>
+              <a:t>…and we’ll give you our recommendations!</a:t>
+            </a:r>
+          </a:p>
+        </p:txBody>
+      </p:sp>
     </p:spTree>
     <p:extLst>
       <p:ext uri="{BB962C8B-B14F-4D97-AF65-F5344CB8AC3E}">
@@ -12786,53 +12786,6 @@
       </p:sp>
       <p:sp>
         <p:nvSpPr>
-          <p:cNvPr id="30" name="TextBox 29">
-            <a:extLst>
-              <a:ext uri="{FF2B5EF4-FFF2-40B4-BE49-F238E27FC236}">
-                <a16:creationId xmlns:a16="http://schemas.microsoft.com/office/drawing/2014/main" id="{2F5DB709-1CB0-4BAC-8A81-A109609D2167}"/>
-              </a:ext>
-            </a:extLst>
-          </p:cNvPr>
-          <p:cNvSpPr txBox="1"/>
-          <p:nvPr/>
-        </p:nvSpPr>
-        <p:spPr>
-          <a:xfrm>
-            <a:off x="4059700" y="3251529"/>
-            <a:ext cx="4880247" cy="461665"/>
-          </a:xfrm>
-          <a:prstGeom prst="rect">
-            <a:avLst/>
-          </a:prstGeom>
-          <a:noFill/>
-        </p:spPr>
-        <p:txBody>
-          <a:bodyPr wrap="none" rtlCol="0">
-            <a:spAutoFit/>
-          </a:bodyPr>
-          <a:lstStyle/>
-          <a:p>
-            <a:r>
-              <a:rPr lang="en-US" sz="2400" b="1" spc="50" dirty="0">
-                <a:ln w="0"/>
-                <a:solidFill>
-                  <a:schemeClr val="bg2"/>
-                </a:solidFill>
-                <a:effectLst>
-                  <a:innerShdw blurRad="63500" dist="50800" dir="13500000">
-                    <a:srgbClr val="000000">
-                      <a:alpha val="50000"/>
-                    </a:srgbClr>
-                  </a:innerShdw>
-                </a:effectLst>
-              </a:rPr>
-              <a:t>…and let us give some suggestions!</a:t>
-            </a:r>
-          </a:p>
-        </p:txBody>
-      </p:sp>
-      <p:sp>
-        <p:nvSpPr>
           <p:cNvPr id="2" name="Rectangle 1">
             <a:extLst>
               <a:ext uri="{FF2B5EF4-FFF2-40B4-BE49-F238E27FC236}">
@@ -12924,6 +12877,53 @@
           </a:prstGeom>
         </p:spPr>
       </p:pic>
+      <p:sp>
+        <p:nvSpPr>
+          <p:cNvPr id="21" name="TextBox 20">
+            <a:extLst>
+              <a:ext uri="{FF2B5EF4-FFF2-40B4-BE49-F238E27FC236}">
+                <a16:creationId xmlns:a16="http://schemas.microsoft.com/office/drawing/2014/main" id="{C7FD3CD4-24DC-4C10-837E-328BC5715C24}"/>
+              </a:ext>
+            </a:extLst>
+          </p:cNvPr>
+          <p:cNvSpPr txBox="1"/>
+          <p:nvPr/>
+        </p:nvSpPr>
+        <p:spPr>
+          <a:xfrm>
+            <a:off x="3017890" y="3274324"/>
+            <a:ext cx="5958234" cy="461665"/>
+          </a:xfrm>
+          <a:prstGeom prst="rect">
+            <a:avLst/>
+          </a:prstGeom>
+          <a:noFill/>
+        </p:spPr>
+        <p:txBody>
+          <a:bodyPr wrap="none" rtlCol="0">
+            <a:spAutoFit/>
+          </a:bodyPr>
+          <a:lstStyle/>
+          <a:p>
+            <a:r>
+              <a:rPr lang="en-US" sz="2400" b="1" spc="50" dirty="0">
+                <a:ln w="0"/>
+                <a:solidFill>
+                  <a:schemeClr val="bg2"/>
+                </a:solidFill>
+                <a:effectLst>
+                  <a:innerShdw blurRad="63500" dist="50800" dir="13500000">
+                    <a:srgbClr val="000000">
+                      <a:alpha val="50000"/>
+                    </a:srgbClr>
+                  </a:innerShdw>
+                </a:effectLst>
+              </a:rPr>
+              <a:t>…and we’ll give you our recommendations!</a:t>
+            </a:r>
+          </a:p>
+        </p:txBody>
+      </p:sp>
     </p:spTree>
     <p:extLst>
       <p:ext uri="{BB962C8B-B14F-4D97-AF65-F5344CB8AC3E}">
@@ -14162,10 +14162,10 @@
       </p:sp>
       <p:sp>
         <p:nvSpPr>
-          <p:cNvPr id="30" name="TextBox 29">
-            <a:extLst>
-              <a:ext uri="{FF2B5EF4-FFF2-40B4-BE49-F238E27FC236}">
-                <a16:creationId xmlns:a16="http://schemas.microsoft.com/office/drawing/2014/main" id="{2F5DB709-1CB0-4BAC-8A81-A109609D2167}"/>
+          <p:cNvPr id="8" name="TextBox 7">
+            <a:extLst>
+              <a:ext uri="{FF2B5EF4-FFF2-40B4-BE49-F238E27FC236}">
+                <a16:creationId xmlns:a16="http://schemas.microsoft.com/office/drawing/2014/main" id="{DD4902D5-1090-4312-A18A-62FE8A0F038C}"/>
               </a:ext>
             </a:extLst>
           </p:cNvPr>
@@ -14174,8 +14174,8 @@
         </p:nvSpPr>
         <p:spPr>
           <a:xfrm>
-            <a:off x="4059700" y="3251529"/>
-            <a:ext cx="4880247" cy="461665"/>
+            <a:off x="3017890" y="3274324"/>
+            <a:ext cx="5958234" cy="461665"/>
           </a:xfrm>
           <a:prstGeom prst="rect">
             <a:avLst/>
@@ -14202,7 +14202,7 @@
                   </a:innerShdw>
                 </a:effectLst>
               </a:rPr>
-              <a:t>…and let us give some suggestions!</a:t>
+              <a:t>…and we’ll give you our recommendations!</a:t>
             </a:r>
           </a:p>
         </p:txBody>
@@ -16021,10 +16021,10 @@
       </p:sp>
       <p:sp>
         <p:nvSpPr>
-          <p:cNvPr id="30" name="TextBox 29">
-            <a:extLst>
-              <a:ext uri="{FF2B5EF4-FFF2-40B4-BE49-F238E27FC236}">
-                <a16:creationId xmlns:a16="http://schemas.microsoft.com/office/drawing/2014/main" id="{2F5DB709-1CB0-4BAC-8A81-A109609D2167}"/>
+          <p:cNvPr id="8" name="TextBox 7">
+            <a:extLst>
+              <a:ext uri="{FF2B5EF4-FFF2-40B4-BE49-F238E27FC236}">
+                <a16:creationId xmlns:a16="http://schemas.microsoft.com/office/drawing/2014/main" id="{CD28176E-5D0F-4566-83F9-2833A6C61553}"/>
               </a:ext>
             </a:extLst>
           </p:cNvPr>
@@ -16033,8 +16033,8 @@
         </p:nvSpPr>
         <p:spPr>
           <a:xfrm>
-            <a:off x="4059700" y="3251529"/>
-            <a:ext cx="4880247" cy="461665"/>
+            <a:off x="3017890" y="3274324"/>
+            <a:ext cx="5958234" cy="461665"/>
           </a:xfrm>
           <a:prstGeom prst="rect">
             <a:avLst/>
@@ -16061,7 +16061,7 @@
                   </a:innerShdw>
                 </a:effectLst>
               </a:rPr>
-              <a:t>…and let us give some suggestions!</a:t>
+              <a:t>…and we’ll give you our recommendations!</a:t>
             </a:r>
           </a:p>
         </p:txBody>
@@ -16320,10 +16320,10 @@
       </p:sp>
       <p:sp>
         <p:nvSpPr>
-          <p:cNvPr id="30" name="TextBox 29">
-            <a:extLst>
-              <a:ext uri="{FF2B5EF4-FFF2-40B4-BE49-F238E27FC236}">
-                <a16:creationId xmlns:a16="http://schemas.microsoft.com/office/drawing/2014/main" id="{2F5DB709-1CB0-4BAC-8A81-A109609D2167}"/>
+          <p:cNvPr id="8" name="TextBox 7">
+            <a:extLst>
+              <a:ext uri="{FF2B5EF4-FFF2-40B4-BE49-F238E27FC236}">
+                <a16:creationId xmlns:a16="http://schemas.microsoft.com/office/drawing/2014/main" id="{F49F51F7-73DA-4176-A714-937EF0782B12}"/>
               </a:ext>
             </a:extLst>
           </p:cNvPr>
@@ -16332,8 +16332,8 @@
         </p:nvSpPr>
         <p:spPr>
           <a:xfrm>
-            <a:off x="4059700" y="3251529"/>
-            <a:ext cx="4880247" cy="461665"/>
+            <a:off x="3017890" y="3274324"/>
+            <a:ext cx="5958234" cy="461665"/>
           </a:xfrm>
           <a:prstGeom prst="rect">
             <a:avLst/>
@@ -16360,7 +16360,7 @@
                   </a:innerShdw>
                 </a:effectLst>
               </a:rPr>
-              <a:t>…and let us give some suggestions!</a:t>
+              <a:t>…and we’ll give you our recommendations!</a:t>
             </a:r>
           </a:p>
         </p:txBody>
@@ -16624,10 +16624,10 @@
       </p:sp>
       <p:sp>
         <p:nvSpPr>
-          <p:cNvPr id="30" name="TextBox 29">
-            <a:extLst>
-              <a:ext uri="{FF2B5EF4-FFF2-40B4-BE49-F238E27FC236}">
-                <a16:creationId xmlns:a16="http://schemas.microsoft.com/office/drawing/2014/main" id="{2F5DB709-1CB0-4BAC-8A81-A109609D2167}"/>
+          <p:cNvPr id="8" name="TextBox 7">
+            <a:extLst>
+              <a:ext uri="{FF2B5EF4-FFF2-40B4-BE49-F238E27FC236}">
+                <a16:creationId xmlns:a16="http://schemas.microsoft.com/office/drawing/2014/main" id="{343DF1D0-2B96-457F-996F-6D34B8F5CDE3}"/>
               </a:ext>
             </a:extLst>
           </p:cNvPr>
@@ -16636,8 +16636,8 @@
         </p:nvSpPr>
         <p:spPr>
           <a:xfrm>
-            <a:off x="4059700" y="3251529"/>
-            <a:ext cx="4880247" cy="461665"/>
+            <a:off x="3017890" y="3274324"/>
+            <a:ext cx="5958234" cy="461665"/>
           </a:xfrm>
           <a:prstGeom prst="rect">
             <a:avLst/>
@@ -16664,7 +16664,7 @@
                   </a:innerShdw>
                 </a:effectLst>
               </a:rPr>
-              <a:t>…and let us give some suggestions!</a:t>
+              <a:t>…and we’ll give you our recommendations!</a:t>
             </a:r>
           </a:p>
         </p:txBody>
@@ -16928,10 +16928,10 @@
       </p:sp>
       <p:sp>
         <p:nvSpPr>
-          <p:cNvPr id="30" name="TextBox 29">
-            <a:extLst>
-              <a:ext uri="{FF2B5EF4-FFF2-40B4-BE49-F238E27FC236}">
-                <a16:creationId xmlns:a16="http://schemas.microsoft.com/office/drawing/2014/main" id="{2F5DB709-1CB0-4BAC-8A81-A109609D2167}"/>
+          <p:cNvPr id="8" name="TextBox 7">
+            <a:extLst>
+              <a:ext uri="{FF2B5EF4-FFF2-40B4-BE49-F238E27FC236}">
+                <a16:creationId xmlns:a16="http://schemas.microsoft.com/office/drawing/2014/main" id="{64980213-9344-4906-A2E0-1BFAA36167B4}"/>
               </a:ext>
             </a:extLst>
           </p:cNvPr>
@@ -16940,8 +16940,8 @@
         </p:nvSpPr>
         <p:spPr>
           <a:xfrm>
-            <a:off x="4059700" y="3251529"/>
-            <a:ext cx="4880247" cy="461665"/>
+            <a:off x="3017890" y="3274324"/>
+            <a:ext cx="5958234" cy="461665"/>
           </a:xfrm>
           <a:prstGeom prst="rect">
             <a:avLst/>
@@ -16968,7 +16968,7 @@
                   </a:innerShdw>
                 </a:effectLst>
               </a:rPr>
-              <a:t>…and let us give some suggestions!</a:t>
+              <a:t>…and we’ll give you our recommendations!</a:t>
             </a:r>
           </a:p>
         </p:txBody>
@@ -17227,10 +17227,10 @@
       </p:sp>
       <p:sp>
         <p:nvSpPr>
-          <p:cNvPr id="30" name="TextBox 29">
-            <a:extLst>
-              <a:ext uri="{FF2B5EF4-FFF2-40B4-BE49-F238E27FC236}">
-                <a16:creationId xmlns:a16="http://schemas.microsoft.com/office/drawing/2014/main" id="{2F5DB709-1CB0-4BAC-8A81-A109609D2167}"/>
+          <p:cNvPr id="8" name="TextBox 7">
+            <a:extLst>
+              <a:ext uri="{FF2B5EF4-FFF2-40B4-BE49-F238E27FC236}">
+                <a16:creationId xmlns:a16="http://schemas.microsoft.com/office/drawing/2014/main" id="{30E3BDF2-F4F5-4ACD-A2BC-BA565426CF29}"/>
               </a:ext>
             </a:extLst>
           </p:cNvPr>
@@ -17239,8 +17239,8 @@
         </p:nvSpPr>
         <p:spPr>
           <a:xfrm>
-            <a:off x="4059700" y="3251529"/>
-            <a:ext cx="4880247" cy="461665"/>
+            <a:off x="3017890" y="3274324"/>
+            <a:ext cx="5958234" cy="461665"/>
           </a:xfrm>
           <a:prstGeom prst="rect">
             <a:avLst/>
@@ -17267,7 +17267,7 @@
                   </a:innerShdw>
                 </a:effectLst>
               </a:rPr>
-              <a:t>…and let us give some suggestions!</a:t>
+              <a:t>…and we’ll give you our recommendations!</a:t>
             </a:r>
           </a:p>
         </p:txBody>
@@ -17526,10 +17526,10 @@
       </p:sp>
       <p:sp>
         <p:nvSpPr>
-          <p:cNvPr id="30" name="TextBox 29">
-            <a:extLst>
-              <a:ext uri="{FF2B5EF4-FFF2-40B4-BE49-F238E27FC236}">
-                <a16:creationId xmlns:a16="http://schemas.microsoft.com/office/drawing/2014/main" id="{2F5DB709-1CB0-4BAC-8A81-A109609D2167}"/>
+          <p:cNvPr id="8" name="TextBox 7">
+            <a:extLst>
+              <a:ext uri="{FF2B5EF4-FFF2-40B4-BE49-F238E27FC236}">
+                <a16:creationId xmlns:a16="http://schemas.microsoft.com/office/drawing/2014/main" id="{7FD4F13F-498F-4619-A953-579696F2B3BD}"/>
               </a:ext>
             </a:extLst>
           </p:cNvPr>
@@ -17538,8 +17538,8 @@
         </p:nvSpPr>
         <p:spPr>
           <a:xfrm>
-            <a:off x="4059700" y="3251529"/>
-            <a:ext cx="4880247" cy="461665"/>
+            <a:off x="3017890" y="3274324"/>
+            <a:ext cx="5958234" cy="461665"/>
           </a:xfrm>
           <a:prstGeom prst="rect">
             <a:avLst/>
@@ -17566,7 +17566,7 @@
                   </a:innerShdw>
                 </a:effectLst>
               </a:rPr>
-              <a:t>…and let us give some suggestions!</a:t>
+              <a:t>…and we’ll give you our recommendations!</a:t>
             </a:r>
           </a:p>
         </p:txBody>
